--- a/presentation.pptx
+++ b/presentation.pptx
@@ -5,7 +5,7 @@
     <p:sldMasterId id="2147483648" r:id="rId1"/>
   </p:sldMasterIdLst>
   <p:notesMasterIdLst>
-    <p:notesMasterId r:id="rId16"/>
+    <p:notesMasterId r:id="rId17"/>
   </p:notesMasterIdLst>
   <p:sldIdLst>
     <p:sldId id="256" r:id="rId2"/>
@@ -16,12 +16,13 @@
     <p:sldId id="261" r:id="rId7"/>
     <p:sldId id="262" r:id="rId8"/>
     <p:sldId id="263" r:id="rId9"/>
-    <p:sldId id="264" r:id="rId10"/>
+    <p:sldId id="271" r:id="rId10"/>
     <p:sldId id="265" r:id="rId11"/>
     <p:sldId id="266" r:id="rId12"/>
     <p:sldId id="267" r:id="rId13"/>
     <p:sldId id="268" r:id="rId14"/>
-    <p:sldId id="269" r:id="rId15"/>
+    <p:sldId id="270" r:id="rId15"/>
+    <p:sldId id="264" r:id="rId16"/>
   </p:sldIdLst>
   <p:sldSz cx="24384000" cy="13716000"/>
   <p:notesSz cx="6858000" cy="9144000"/>
@@ -323,6 +324,11 @@
       </a:defRPr>
     </a:lvl9pPr>
   </p:defaultTextStyle>
+  <p:extLst>
+    <p:ext uri="{EFAFB233-063F-42B5-8137-9DF3F51BA10A}">
+      <p15:sldGuideLst xmlns:p15="http://schemas.microsoft.com/office/powerpoint/2012/main"/>
+    </p:ext>
+  </p:extLst>
 </p:presentation>
 </file>
 
@@ -3094,7 +3100,7 @@
           </a:ln>
           <a:extLst>
             <a:ext uri="{C572A759-6A51-4108-AA02-DFA0A04FC94B}">
-              <ma14:wrappingTextBoxFlag xmlns:ma14="http://schemas.microsoft.com/office/mac/drawingml/2011/main" xmlns:a14="http://schemas.microsoft.com/office/drawing/2010/main" xmlns:m="http://schemas.openxmlformats.org/officeDocument/2006/math" xmlns="" val="1"/>
+              <ma14:wrappingTextBoxFlag xmlns="" xmlns:m="http://schemas.openxmlformats.org/officeDocument/2006/math" xmlns:a14="http://schemas.microsoft.com/office/drawing/2010/main" xmlns:ma14="http://schemas.microsoft.com/office/mac/drawingml/2011/main" val="1"/>
             </a:ext>
           </a:extLst>
         </p:spPr>
@@ -3133,7 +3139,7 @@
           </a:ln>
           <a:extLst>
             <a:ext uri="{C572A759-6A51-4108-AA02-DFA0A04FC94B}">
-              <ma14:wrappingTextBoxFlag xmlns:ma14="http://schemas.microsoft.com/office/mac/drawingml/2011/main" xmlns:a14="http://schemas.microsoft.com/office/drawing/2010/main" xmlns:m="http://schemas.openxmlformats.org/officeDocument/2006/math" xmlns="" val="1"/>
+              <ma14:wrappingTextBoxFlag xmlns="" xmlns:m="http://schemas.openxmlformats.org/officeDocument/2006/math" xmlns:a14="http://schemas.microsoft.com/office/drawing/2010/main" xmlns:ma14="http://schemas.microsoft.com/office/mac/drawingml/2011/main" val="1"/>
             </a:ext>
           </a:extLst>
         </p:spPr>
@@ -3985,7 +3991,7 @@
           </a:prstGeom>
           <a:extLst>
             <a:ext uri="{C572A759-6A51-4108-AA02-DFA0A04FC94B}">
-              <ma14:wrappingTextBoxFlag xmlns:ma14="http://schemas.microsoft.com/office/mac/drawingml/2011/main" xmlns:a14="http://schemas.microsoft.com/office/drawing/2010/main" xmlns:m="http://schemas.openxmlformats.org/officeDocument/2006/math" xmlns="" val="1"/>
+              <ma14:wrappingTextBoxFlag xmlns="" xmlns:m="http://schemas.openxmlformats.org/officeDocument/2006/math" xmlns:a14="http://schemas.microsoft.com/office/drawing/2010/main" xmlns:ma14="http://schemas.microsoft.com/office/mac/drawingml/2011/main" val="1"/>
             </a:ext>
           </a:extLst>
         </p:spPr>
@@ -4175,7 +4181,7 @@
           </a:ln>
           <a:extLst>
             <a:ext uri="{C572A759-6A51-4108-AA02-DFA0A04FC94B}">
-              <ma14:wrappingTextBoxFlag xmlns:ma14="http://schemas.microsoft.com/office/mac/drawingml/2011/main" xmlns:a14="http://schemas.microsoft.com/office/drawing/2010/main" xmlns:m="http://schemas.openxmlformats.org/officeDocument/2006/math" xmlns="" val="1"/>
+              <ma14:wrappingTextBoxFlag xmlns="" xmlns:m="http://schemas.openxmlformats.org/officeDocument/2006/math" xmlns:a14="http://schemas.microsoft.com/office/drawing/2010/main" xmlns:ma14="http://schemas.microsoft.com/office/mac/drawingml/2011/main" val="1"/>
             </a:ext>
           </a:extLst>
         </p:spPr>
@@ -4215,7 +4221,7 @@
         <p:spPr>
           <a:xfrm>
             <a:off x="13247530" y="3451939"/>
-            <a:ext cx="9091479" cy="6812121"/>
+            <a:ext cx="9091479" cy="8030916"/>
           </a:xfrm>
           <a:prstGeom prst="rect">
             <a:avLst/>
@@ -4225,7 +4231,7 @@
           </a:ln>
           <a:extLst>
             <a:ext uri="{C572A759-6A51-4108-AA02-DFA0A04FC94B}">
-              <ma14:wrappingTextBoxFlag xmlns:ma14="http://schemas.microsoft.com/office/mac/drawingml/2011/main" xmlns:a14="http://schemas.microsoft.com/office/drawing/2010/main" xmlns:m="http://schemas.openxmlformats.org/officeDocument/2006/math" xmlns="" val="1"/>
+              <ma14:wrappingTextBoxFlag xmlns="" xmlns:m="http://schemas.openxmlformats.org/officeDocument/2006/math" xmlns:a14="http://schemas.microsoft.com/office/drawing/2010/main" xmlns:ma14="http://schemas.microsoft.com/office/mac/drawingml/2011/main" val="1"/>
             </a:ext>
           </a:extLst>
         </p:spPr>
@@ -4257,7 +4263,7 @@
           <a:p>
             <a:r>
               <a:rPr lang="en-US" dirty="0"/>
-              <a:t>If a patient tests positive, a doctor needs to examine the x-rays and determine if it is a false positive.</a:t>
+              <a:t>If a patient tests positive, a doctor needs to examine the x-rays and determine if it is a false positive, although the false positive rate is low with this model.</a:t>
             </a:r>
             <a:endParaRPr dirty="0"/>
           </a:p>
@@ -4363,7 +4369,7 @@
           </a:ln>
           <a:extLst>
             <a:ext uri="{C572A759-6A51-4108-AA02-DFA0A04FC94B}">
-              <ma14:wrappingTextBoxFlag xmlns:ma14="http://schemas.microsoft.com/office/mac/drawingml/2011/main" xmlns:a14="http://schemas.microsoft.com/office/drawing/2010/main" xmlns:m="http://schemas.openxmlformats.org/officeDocument/2006/math" xmlns="" val="1"/>
+              <ma14:wrappingTextBoxFlag xmlns="" xmlns:m="http://schemas.openxmlformats.org/officeDocument/2006/math" xmlns:a14="http://schemas.microsoft.com/office/drawing/2010/main" xmlns:ma14="http://schemas.microsoft.com/office/mac/drawingml/2011/main" val="1"/>
             </a:ext>
           </a:extLst>
         </p:spPr>
@@ -4418,7 +4424,7 @@
           </a:ln>
           <a:extLst>
             <a:ext uri="{C572A759-6A51-4108-AA02-DFA0A04FC94B}">
-              <ma14:wrappingTextBoxFlag xmlns:ma14="http://schemas.microsoft.com/office/mac/drawingml/2011/main" xmlns:a14="http://schemas.microsoft.com/office/drawing/2010/main" xmlns:m="http://schemas.openxmlformats.org/officeDocument/2006/math" xmlns="" val="1"/>
+              <ma14:wrappingTextBoxFlag xmlns="" xmlns:m="http://schemas.openxmlformats.org/officeDocument/2006/math" xmlns:a14="http://schemas.microsoft.com/office/drawing/2010/main" xmlns:ma14="http://schemas.microsoft.com/office/mac/drawingml/2011/main" val="1"/>
             </a:ext>
           </a:extLst>
         </p:spPr>
@@ -4459,7 +4465,7 @@
         </p:nvSpPr>
         <p:spPr>
           <a:xfrm>
-            <a:off x="12007851" y="8774745"/>
+            <a:off x="12007851" y="8774744"/>
             <a:ext cx="11417301" cy="2032001"/>
           </a:xfrm>
           <a:prstGeom prst="roundRect">
@@ -5319,7 +5325,7 @@
           </a:ln>
           <a:extLst>
             <a:ext uri="{C572A759-6A51-4108-AA02-DFA0A04FC94B}">
-              <ma14:wrappingTextBoxFlag xmlns:ma14="http://schemas.microsoft.com/office/mac/drawingml/2011/main" xmlns:a14="http://schemas.microsoft.com/office/drawing/2010/main" xmlns:m="http://schemas.openxmlformats.org/officeDocument/2006/math" xmlns="" val="1"/>
+              <ma14:wrappingTextBoxFlag xmlns="" xmlns:m="http://schemas.openxmlformats.org/officeDocument/2006/math" xmlns:a14="http://schemas.microsoft.com/office/drawing/2010/main" xmlns:ma14="http://schemas.microsoft.com/office/mac/drawingml/2011/main" val="1"/>
             </a:ext>
           </a:extLst>
         </p:spPr>
@@ -5396,7 +5402,7 @@
           </a:ln>
           <a:extLst>
             <a:ext uri="{C572A759-6A51-4108-AA02-DFA0A04FC94B}">
-              <ma14:wrappingTextBoxFlag xmlns:ma14="http://schemas.microsoft.com/office/mac/drawingml/2011/main" xmlns:a14="http://schemas.microsoft.com/office/drawing/2010/main" xmlns:m="http://schemas.openxmlformats.org/officeDocument/2006/math" xmlns="" val="1"/>
+              <ma14:wrappingTextBoxFlag xmlns="" xmlns:m="http://schemas.openxmlformats.org/officeDocument/2006/math" xmlns:a14="http://schemas.microsoft.com/office/drawing/2010/main" xmlns:ma14="http://schemas.microsoft.com/office/mac/drawingml/2011/main" val="1"/>
             </a:ext>
           </a:extLst>
         </p:spPr>
@@ -5453,7 +5459,7 @@
           </a:ln>
           <a:extLst>
             <a:ext uri="{C572A759-6A51-4108-AA02-DFA0A04FC94B}">
-              <ma14:wrappingTextBoxFlag xmlns:ma14="http://schemas.microsoft.com/office/mac/drawingml/2011/main" xmlns:a14="http://schemas.microsoft.com/office/drawing/2010/main" xmlns:m="http://schemas.openxmlformats.org/officeDocument/2006/math" xmlns="" val="1"/>
+              <ma14:wrappingTextBoxFlag xmlns="" xmlns:m="http://schemas.openxmlformats.org/officeDocument/2006/math" xmlns:a14="http://schemas.microsoft.com/office/drawing/2010/main" xmlns:ma14="http://schemas.microsoft.com/office/mac/drawingml/2011/main" val="1"/>
             </a:ext>
           </a:extLst>
         </p:spPr>
@@ -5526,7 +5532,7 @@
           </a:ln>
           <a:extLst>
             <a:ext uri="{C572A759-6A51-4108-AA02-DFA0A04FC94B}">
-              <ma14:wrappingTextBoxFlag xmlns:ma14="http://schemas.microsoft.com/office/mac/drawingml/2011/main" xmlns:a14="http://schemas.microsoft.com/office/drawing/2010/main" xmlns:m="http://schemas.openxmlformats.org/officeDocument/2006/math" xmlns="" val="1"/>
+              <ma14:wrappingTextBoxFlag xmlns="" xmlns:m="http://schemas.openxmlformats.org/officeDocument/2006/math" xmlns:a14="http://schemas.microsoft.com/office/drawing/2010/main" xmlns:ma14="http://schemas.microsoft.com/office/mac/drawingml/2011/main" val="1"/>
             </a:ext>
           </a:extLst>
         </p:spPr>
@@ -5612,7 +5618,7 @@
           </a:ln>
           <a:extLst>
             <a:ext uri="{C572A759-6A51-4108-AA02-DFA0A04FC94B}">
-              <ma14:wrappingTextBoxFlag xmlns:ma14="http://schemas.microsoft.com/office/mac/drawingml/2011/main" xmlns:a14="http://schemas.microsoft.com/office/drawing/2010/main" xmlns:m="http://schemas.openxmlformats.org/officeDocument/2006/math" xmlns="" val="1"/>
+              <ma14:wrappingTextBoxFlag xmlns="" xmlns:m="http://schemas.openxmlformats.org/officeDocument/2006/math" xmlns:a14="http://schemas.microsoft.com/office/drawing/2010/main" xmlns:ma14="http://schemas.microsoft.com/office/mac/drawingml/2011/main" val="1"/>
             </a:ext>
           </a:extLst>
         </p:spPr>
@@ -10726,7 +10732,7 @@
           </a:ln>
           <a:extLst>
             <a:ext uri="{C572A759-6A51-4108-AA02-DFA0A04FC94B}">
-              <ma14:wrappingTextBoxFlag xmlns:ma14="http://schemas.microsoft.com/office/mac/drawingml/2011/main" xmlns:a14="http://schemas.microsoft.com/office/drawing/2010/main" xmlns:m="http://schemas.openxmlformats.org/officeDocument/2006/math" xmlns="" val="1"/>
+              <ma14:wrappingTextBoxFlag xmlns="" xmlns:m="http://schemas.openxmlformats.org/officeDocument/2006/math" xmlns:a14="http://schemas.microsoft.com/office/drawing/2010/main" xmlns:ma14="http://schemas.microsoft.com/office/mac/drawingml/2011/main" val="1"/>
             </a:ext>
           </a:extLst>
         </p:spPr>
@@ -10811,7 +10817,7 @@
       </p:grpSpPr>
       <p:sp>
         <p:nvSpPr>
-          <p:cNvPr id="235" name="Appendix"/>
+          <p:cNvPr id="205" name="Shape"/>
           <p:cNvSpPr/>
           <p:nvPr/>
         </p:nvSpPr>
@@ -10881,11 +10887,6 @@
           <a:ln w="12700">
             <a:miter lim="400000"/>
           </a:ln>
-          <a:extLst>
-            <a:ext uri="{C572A759-6A51-4108-AA02-DFA0A04FC94B}">
-              <ma14:wrappingTextBoxFlag xmlns:ma14="http://schemas.microsoft.com/office/mac/drawingml/2011/main" xmlns:a14="http://schemas.microsoft.com/office/drawing/2010/main" xmlns:m="http://schemas.openxmlformats.org/officeDocument/2006/math" xmlns="" val="1"/>
-            </a:ext>
-          </a:extLst>
         </p:spPr>
         <p:txBody>
           <a:bodyPr lIns="50800" tIns="50800" rIns="50800" bIns="50800" anchor="ctr"/>
@@ -10908,12 +10909,275 @@
                 <a:sym typeface="Graphik"/>
               </a:defRPr>
             </a:pPr>
-            <a:r>
-              <a:t>Appendix</a:t>
-            </a:r>
+            <a:endParaRPr/>
           </a:p>
         </p:txBody>
       </p:sp>
+      <p:pic>
+        <p:nvPicPr>
+          <p:cNvPr id="206" name="conf_matrix.png" descr="conf_matrix.png"/>
+          <p:cNvPicPr>
+            <a:picLocks noChangeAspect="1"/>
+          </p:cNvPicPr>
+          <p:nvPr/>
+        </p:nvPicPr>
+        <p:blipFill>
+          <a:blip r:embed="rId2"/>
+          <a:stretch>
+            <a:fillRect/>
+          </a:stretch>
+        </p:blipFill>
+        <p:spPr>
+          <a:xfrm>
+            <a:off x="12333338" y="2423383"/>
+            <a:ext cx="9985430" cy="8869233"/>
+          </a:xfrm>
+          <a:prstGeom prst="rect">
+            <a:avLst/>
+          </a:prstGeom>
+          <a:ln w="12700">
+            <a:miter lim="400000"/>
+          </a:ln>
+        </p:spPr>
+      </p:pic>
+      <p:pic>
+        <p:nvPicPr>
+          <p:cNvPr id="207" name="score.png" descr="score.png"/>
+          <p:cNvPicPr>
+            <a:picLocks noChangeAspect="1"/>
+          </p:cNvPicPr>
+          <p:nvPr/>
+        </p:nvPicPr>
+        <p:blipFill>
+          <a:blip r:embed="rId3"/>
+          <a:srcRect t="19395" r="50798"/>
+          <a:stretch>
+            <a:fillRect/>
+          </a:stretch>
+        </p:blipFill>
+        <p:spPr>
+          <a:xfrm>
+            <a:off x="1740680" y="8948161"/>
+            <a:ext cx="7519101" cy="3229932"/>
+          </a:xfrm>
+          <a:prstGeom prst="rect">
+            <a:avLst/>
+          </a:prstGeom>
+          <a:ln w="12700">
+            <a:miter lim="400000"/>
+          </a:ln>
+        </p:spPr>
+      </p:pic>
+      <p:sp>
+        <p:nvSpPr>
+          <p:cNvPr id="208" name="Result"/>
+          <p:cNvSpPr txBox="1"/>
+          <p:nvPr/>
+        </p:nvSpPr>
+        <p:spPr>
+          <a:xfrm>
+            <a:off x="2937076" y="3053221"/>
+            <a:ext cx="5126404" cy="1672253"/>
+          </a:xfrm>
+          <a:prstGeom prst="rect">
+            <a:avLst/>
+          </a:prstGeom>
+          <a:ln w="12700">
+            <a:miter lim="400000"/>
+          </a:ln>
+          <a:extLst>
+            <a:ext uri="{C572A759-6A51-4108-AA02-DFA0A04FC94B}">
+              <ma14:wrappingTextBoxFlag xmlns="" xmlns:m="http://schemas.openxmlformats.org/officeDocument/2006/math" xmlns:a14="http://schemas.microsoft.com/office/drawing/2010/main" xmlns:ma14="http://schemas.microsoft.com/office/mac/drawingml/2011/main" val="1"/>
+            </a:ext>
+          </a:extLst>
+        </p:spPr>
+        <p:txBody>
+          <a:bodyPr wrap="none" lIns="50800" tIns="50800" rIns="50800" bIns="50800">
+            <a:spAutoFit/>
+          </a:bodyPr>
+          <a:lstStyle/>
+          <a:p>
+            <a:pPr lvl="2" algn="ctr" defTabSz="1130300">
+              <a:lnSpc>
+                <a:spcPct val="100000"/>
+              </a:lnSpc>
+              <a:spcBef>
+                <a:spcPts val="0"/>
+              </a:spcBef>
+              <a:defRPr sz="10200">
+                <a:solidFill>
+                  <a:srgbClr val="FFFFFF"/>
+                </a:solidFill>
+                <a:latin typeface="Graphik"/>
+                <a:ea typeface="Graphik"/>
+                <a:cs typeface="Graphik"/>
+                <a:sym typeface="Graphik"/>
+              </a:defRPr>
+            </a:pPr>
+            <a:r>
+              <a:rPr lang="en-US" dirty="0"/>
+              <a:t>Appendix</a:t>
+            </a:r>
+            <a:endParaRPr dirty="0"/>
+          </a:p>
+        </p:txBody>
+      </p:sp>
+    </p:spTree>
+    <p:extLst>
+      <p:ext uri="{BB962C8B-B14F-4D97-AF65-F5344CB8AC3E}">
+        <p14:creationId xmlns:p14="http://schemas.microsoft.com/office/powerpoint/2010/main" val="431551269"/>
+      </p:ext>
+    </p:extLst>
+  </p:cSld>
+  <p:clrMapOvr>
+    <a:masterClrMapping/>
+  </p:clrMapOvr>
+  <p:transition spd="med"/>
+</p:sld>
+</file>
+
+<file path=ppt/slides/slide15.xml><?xml version="1.0" encoding="utf-8"?>
+<p:sld xmlns:a="http://schemas.openxmlformats.org/drawingml/2006/main" xmlns:r="http://schemas.openxmlformats.org/officeDocument/2006/relationships" xmlns:p="http://schemas.openxmlformats.org/presentationml/2006/main">
+  <p:cSld>
+    <p:spTree>
+      <p:nvGrpSpPr>
+        <p:cNvPr id="1" name=""/>
+        <p:cNvGrpSpPr/>
+        <p:nvPr/>
+      </p:nvGrpSpPr>
+      <p:grpSpPr>
+        <a:xfrm>
+          <a:off x="0" y="0"/>
+          <a:ext cx="0" cy="0"/>
+          <a:chOff x="0" y="0"/>
+          <a:chExt cx="0" cy="0"/>
+        </a:xfrm>
+      </p:grpSpPr>
+      <p:sp>
+        <p:nvSpPr>
+          <p:cNvPr id="210" name="Shape"/>
+          <p:cNvSpPr/>
+          <p:nvPr/>
+        </p:nvSpPr>
+        <p:spPr>
+          <a:xfrm>
+            <a:off x="-1" y="1910"/>
+            <a:ext cx="11771485" cy="13712181"/>
+          </a:xfrm>
+          <a:custGeom>
+            <a:avLst/>
+            <a:gdLst/>
+            <a:ahLst/>
+            <a:cxnLst>
+              <a:cxn ang="0">
+                <a:pos x="wd2" y="hd2"/>
+              </a:cxn>
+              <a:cxn ang="5400000">
+                <a:pos x="wd2" y="hd2"/>
+              </a:cxn>
+              <a:cxn ang="10800000">
+                <a:pos x="wd2" y="hd2"/>
+              </a:cxn>
+              <a:cxn ang="16200000">
+                <a:pos x="wd2" y="hd2"/>
+              </a:cxn>
+            </a:cxnLst>
+            <a:rect l="0" t="0" r="r" b="b"/>
+            <a:pathLst>
+              <a:path w="21551" h="21600" extrusionOk="0">
+                <a:moveTo>
+                  <a:pt x="0" y="0"/>
+                </a:moveTo>
+                <a:lnTo>
+                  <a:pt x="17430" y="0"/>
+                </a:lnTo>
+                <a:cubicBezTo>
+                  <a:pt x="20154" y="3185"/>
+                  <a:pt x="21600" y="7046"/>
+                  <a:pt x="21550" y="11001"/>
+                </a:cubicBezTo>
+                <a:cubicBezTo>
+                  <a:pt x="21502" y="14818"/>
+                  <a:pt x="20061" y="18526"/>
+                  <a:pt x="17430" y="21600"/>
+                </a:cubicBezTo>
+                <a:lnTo>
+                  <a:pt x="0" y="21600"/>
+                </a:lnTo>
+                <a:lnTo>
+                  <a:pt x="0" y="0"/>
+                </a:lnTo>
+                <a:close/>
+              </a:path>
+            </a:pathLst>
+          </a:custGeom>
+          <a:gradFill>
+            <a:gsLst>
+              <a:gs pos="0">
+                <a:srgbClr val="80CEE0"/>
+              </a:gs>
+              <a:gs pos="100000">
+                <a:srgbClr val="41637E"/>
+              </a:gs>
+            </a:gsLst>
+            <a:lin ang="5400000"/>
+          </a:gradFill>
+          <a:ln w="12700">
+            <a:miter lim="400000"/>
+          </a:ln>
+        </p:spPr>
+        <p:txBody>
+          <a:bodyPr lIns="50800" tIns="50800" rIns="50800" bIns="50800" anchor="ctr"/>
+          <a:lstStyle/>
+          <a:p>
+            <a:pPr lvl="2" algn="ctr" defTabSz="1130300">
+              <a:lnSpc>
+                <a:spcPct val="100000"/>
+              </a:lnSpc>
+              <a:spcBef>
+                <a:spcPts val="0"/>
+              </a:spcBef>
+              <a:defRPr sz="10200">
+                <a:solidFill>
+                  <a:srgbClr val="FFFFFF"/>
+                </a:solidFill>
+                <a:latin typeface="Graphik"/>
+                <a:ea typeface="Graphik"/>
+                <a:cs typeface="Graphik"/>
+                <a:sym typeface="Graphik"/>
+              </a:defRPr>
+            </a:pPr>
+            <a:endParaRPr/>
+          </a:p>
+        </p:txBody>
+      </p:sp>
+      <p:pic>
+        <p:nvPicPr>
+          <p:cNvPr id="211" name="images.png" descr="images.png"/>
+          <p:cNvPicPr>
+            <a:picLocks noChangeAspect="1"/>
+          </p:cNvPicPr>
+          <p:nvPr/>
+        </p:nvPicPr>
+        <p:blipFill>
+          <a:blip r:embed="rId2"/>
+          <a:stretch>
+            <a:fillRect/>
+          </a:stretch>
+        </p:blipFill>
+        <p:spPr>
+          <a:xfrm>
+            <a:off x="1406235" y="3749631"/>
+            <a:ext cx="20481293" cy="5899764"/>
+          </a:xfrm>
+          <a:prstGeom prst="rect">
+            <a:avLst/>
+          </a:prstGeom>
+          <a:ln w="12700">
+            <a:miter lim="400000"/>
+          </a:ln>
+        </p:spPr>
+      </p:pic>
     </p:spTree>
   </p:cSld>
   <p:clrMapOvr>
@@ -11014,7 +11278,7 @@
           </a:ln>
           <a:extLst>
             <a:ext uri="{C572A759-6A51-4108-AA02-DFA0A04FC94B}">
-              <ma14:wrappingTextBoxFlag xmlns:ma14="http://schemas.microsoft.com/office/mac/drawingml/2011/main" xmlns:a14="http://schemas.microsoft.com/office/drawing/2010/main" xmlns:m="http://schemas.openxmlformats.org/officeDocument/2006/math" xmlns="" val="1"/>
+              <ma14:wrappingTextBoxFlag xmlns="" xmlns:m="http://schemas.openxmlformats.org/officeDocument/2006/math" xmlns:a14="http://schemas.microsoft.com/office/drawing/2010/main" xmlns:ma14="http://schemas.microsoft.com/office/mac/drawingml/2011/main" val="1"/>
             </a:ext>
           </a:extLst>
         </p:spPr>
@@ -11068,7 +11332,7 @@
           </a:ln>
           <a:extLst>
             <a:ext uri="{C572A759-6A51-4108-AA02-DFA0A04FC94B}">
-              <ma14:wrappingTextBoxFlag xmlns:ma14="http://schemas.microsoft.com/office/mac/drawingml/2011/main" xmlns:a14="http://schemas.microsoft.com/office/drawing/2010/main" xmlns:m="http://schemas.openxmlformats.org/officeDocument/2006/math" xmlns="" val="1"/>
+              <ma14:wrappingTextBoxFlag xmlns="" xmlns:m="http://schemas.openxmlformats.org/officeDocument/2006/math" xmlns:a14="http://schemas.microsoft.com/office/drawing/2010/main" xmlns:ma14="http://schemas.microsoft.com/office/mac/drawingml/2011/main" val="1"/>
             </a:ext>
           </a:extLst>
         </p:spPr>
@@ -11119,7 +11383,7 @@
           </a:ln>
           <a:extLst>
             <a:ext uri="{C572A759-6A51-4108-AA02-DFA0A04FC94B}">
-              <ma14:wrappingTextBoxFlag xmlns:ma14="http://schemas.microsoft.com/office/mac/drawingml/2011/main" xmlns:a14="http://schemas.microsoft.com/office/drawing/2010/main" xmlns:m="http://schemas.openxmlformats.org/officeDocument/2006/math" xmlns="" val="1"/>
+              <ma14:wrappingTextBoxFlag xmlns="" xmlns:m="http://schemas.openxmlformats.org/officeDocument/2006/math" xmlns:a14="http://schemas.microsoft.com/office/drawing/2010/main" xmlns:ma14="http://schemas.microsoft.com/office/mac/drawingml/2011/main" val="1"/>
             </a:ext>
           </a:extLst>
         </p:spPr>
@@ -11170,7 +11434,7 @@
           </a:ln>
           <a:extLst>
             <a:ext uri="{C572A759-6A51-4108-AA02-DFA0A04FC94B}">
-              <ma14:wrappingTextBoxFlag xmlns:ma14="http://schemas.microsoft.com/office/mac/drawingml/2011/main" xmlns:a14="http://schemas.microsoft.com/office/drawing/2010/main" xmlns:m="http://schemas.openxmlformats.org/officeDocument/2006/math" xmlns="" val="1"/>
+              <ma14:wrappingTextBoxFlag xmlns="" xmlns:m="http://schemas.openxmlformats.org/officeDocument/2006/math" xmlns:a14="http://schemas.microsoft.com/office/drawing/2010/main" xmlns:ma14="http://schemas.microsoft.com/office/mac/drawingml/2011/main" val="1"/>
             </a:ext>
           </a:extLst>
         </p:spPr>
@@ -11221,7 +11485,7 @@
           </a:ln>
           <a:extLst>
             <a:ext uri="{C572A759-6A51-4108-AA02-DFA0A04FC94B}">
-              <ma14:wrappingTextBoxFlag xmlns:ma14="http://schemas.microsoft.com/office/mac/drawingml/2011/main" xmlns:a14="http://schemas.microsoft.com/office/drawing/2010/main" xmlns:m="http://schemas.openxmlformats.org/officeDocument/2006/math" xmlns="" val="1"/>
+              <ma14:wrappingTextBoxFlag xmlns="" xmlns:m="http://schemas.openxmlformats.org/officeDocument/2006/math" xmlns:a14="http://schemas.microsoft.com/office/drawing/2010/main" xmlns:ma14="http://schemas.microsoft.com/office/mac/drawingml/2011/main" val="1"/>
             </a:ext>
           </a:extLst>
         </p:spPr>
@@ -11272,7 +11536,7 @@
           </a:ln>
           <a:extLst>
             <a:ext uri="{C572A759-6A51-4108-AA02-DFA0A04FC94B}">
-              <ma14:wrappingTextBoxFlag xmlns:ma14="http://schemas.microsoft.com/office/mac/drawingml/2011/main" xmlns:a14="http://schemas.microsoft.com/office/drawing/2010/main" xmlns:m="http://schemas.openxmlformats.org/officeDocument/2006/math" xmlns="" val="1"/>
+              <ma14:wrappingTextBoxFlag xmlns="" xmlns:m="http://schemas.openxmlformats.org/officeDocument/2006/math" xmlns:a14="http://schemas.microsoft.com/office/drawing/2010/main" xmlns:ma14="http://schemas.microsoft.com/office/mac/drawingml/2011/main" val="1"/>
             </a:ext>
           </a:extLst>
         </p:spPr>
@@ -12952,7 +13216,7 @@
           </a:ln>
           <a:extLst>
             <a:ext uri="{C572A759-6A51-4108-AA02-DFA0A04FC94B}">
-              <ma14:wrappingTextBoxFlag xmlns:ma14="http://schemas.microsoft.com/office/mac/drawingml/2011/main" xmlns:a14="http://schemas.microsoft.com/office/drawing/2010/main" xmlns:m="http://schemas.openxmlformats.org/officeDocument/2006/math" xmlns="" val="1"/>
+              <ma14:wrappingTextBoxFlag xmlns="" xmlns:m="http://schemas.openxmlformats.org/officeDocument/2006/math" xmlns:a14="http://schemas.microsoft.com/office/drawing/2010/main" xmlns:ma14="http://schemas.microsoft.com/office/mac/drawingml/2011/main" val="1"/>
             </a:ext>
           </a:extLst>
         </p:spPr>
@@ -13008,7 +13272,7 @@
           </a:ln>
           <a:extLst>
             <a:ext uri="{C572A759-6A51-4108-AA02-DFA0A04FC94B}">
-              <ma14:wrappingTextBoxFlag xmlns:ma14="http://schemas.microsoft.com/office/mac/drawingml/2011/main" xmlns:a14="http://schemas.microsoft.com/office/drawing/2010/main" xmlns:m="http://schemas.openxmlformats.org/officeDocument/2006/math" xmlns="" val="1"/>
+              <ma14:wrappingTextBoxFlag xmlns="" xmlns:m="http://schemas.openxmlformats.org/officeDocument/2006/math" xmlns:a14="http://schemas.microsoft.com/office/drawing/2010/main" xmlns:ma14="http://schemas.microsoft.com/office/mac/drawingml/2011/main" val="1"/>
             </a:ext>
           </a:extLst>
         </p:spPr>
@@ -13080,7 +13344,7 @@
           </a:ln>
           <a:extLst>
             <a:ext uri="{C572A759-6A51-4108-AA02-DFA0A04FC94B}">
-              <ma14:wrappingTextBoxFlag xmlns:ma14="http://schemas.microsoft.com/office/mac/drawingml/2011/main" xmlns:a14="http://schemas.microsoft.com/office/drawing/2010/main" xmlns:m="http://schemas.openxmlformats.org/officeDocument/2006/math" xmlns="" val="1"/>
+              <ma14:wrappingTextBoxFlag xmlns="" xmlns:m="http://schemas.openxmlformats.org/officeDocument/2006/math" xmlns:a14="http://schemas.microsoft.com/office/drawing/2010/main" xmlns:ma14="http://schemas.microsoft.com/office/mac/drawingml/2011/main" val="1"/>
             </a:ext>
           </a:extLst>
         </p:spPr>
@@ -13182,7 +13446,7 @@
           </a:ln>
           <a:extLst>
             <a:ext uri="{C572A759-6A51-4108-AA02-DFA0A04FC94B}">
-              <ma14:wrappingTextBoxFlag xmlns:ma14="http://schemas.microsoft.com/office/mac/drawingml/2011/main" xmlns:a14="http://schemas.microsoft.com/office/drawing/2010/main" xmlns:m="http://schemas.openxmlformats.org/officeDocument/2006/math" xmlns="" val="1"/>
+              <ma14:wrappingTextBoxFlag xmlns="" xmlns:m="http://schemas.openxmlformats.org/officeDocument/2006/math" xmlns:a14="http://schemas.microsoft.com/office/drawing/2010/main" xmlns:ma14="http://schemas.microsoft.com/office/mac/drawingml/2011/main" val="1"/>
             </a:ext>
           </a:extLst>
         </p:spPr>
@@ -13260,7 +13524,7 @@
           </a:ln>
           <a:extLst>
             <a:ext uri="{C572A759-6A51-4108-AA02-DFA0A04FC94B}">
-              <ma14:wrappingTextBoxFlag xmlns:ma14="http://schemas.microsoft.com/office/mac/drawingml/2011/main" xmlns:a14="http://schemas.microsoft.com/office/drawing/2010/main" xmlns:m="http://schemas.openxmlformats.org/officeDocument/2006/math" xmlns="" val="1"/>
+              <ma14:wrappingTextBoxFlag xmlns="" xmlns:m="http://schemas.openxmlformats.org/officeDocument/2006/math" xmlns:a14="http://schemas.microsoft.com/office/drawing/2010/main" xmlns:ma14="http://schemas.microsoft.com/office/mac/drawingml/2011/main" val="1"/>
             </a:ext>
           </a:extLst>
         </p:spPr>
@@ -14715,7 +14979,7 @@
           </a:ln>
           <a:extLst>
             <a:ext uri="{C572A759-6A51-4108-AA02-DFA0A04FC94B}">
-              <ma14:wrappingTextBoxFlag xmlns:ma14="http://schemas.microsoft.com/office/mac/drawingml/2011/main" xmlns:a14="http://schemas.microsoft.com/office/drawing/2010/main" xmlns:m="http://schemas.openxmlformats.org/officeDocument/2006/math" xmlns="" val="1"/>
+              <ma14:wrappingTextBoxFlag xmlns="" xmlns:m="http://schemas.openxmlformats.org/officeDocument/2006/math" xmlns:a14="http://schemas.microsoft.com/office/drawing/2010/main" xmlns:ma14="http://schemas.microsoft.com/office/mac/drawingml/2011/main" val="1"/>
             </a:ext>
           </a:extLst>
         </p:spPr>
@@ -14787,7 +15051,7 @@
           </a:ln>
           <a:extLst>
             <a:ext uri="{C572A759-6A51-4108-AA02-DFA0A04FC94B}">
-              <ma14:wrappingTextBoxFlag xmlns:ma14="http://schemas.microsoft.com/office/mac/drawingml/2011/main" xmlns:a14="http://schemas.microsoft.com/office/drawing/2010/main" xmlns:m="http://schemas.openxmlformats.org/officeDocument/2006/math" xmlns="" val="1"/>
+              <ma14:wrappingTextBoxFlag xmlns="" xmlns:m="http://schemas.openxmlformats.org/officeDocument/2006/math" xmlns:a14="http://schemas.microsoft.com/office/drawing/2010/main" xmlns:ma14="http://schemas.microsoft.com/office/mac/drawingml/2011/main" val="1"/>
             </a:ext>
           </a:extLst>
         </p:spPr>
@@ -14925,7 +15189,7 @@
           </a:ln>
           <a:extLst>
             <a:ext uri="{C572A759-6A51-4108-AA02-DFA0A04FC94B}">
-              <ma14:wrappingTextBoxFlag xmlns:ma14="http://schemas.microsoft.com/office/mac/drawingml/2011/main" xmlns:a14="http://schemas.microsoft.com/office/drawing/2010/main" xmlns:m="http://schemas.openxmlformats.org/officeDocument/2006/math" xmlns="" val="1"/>
+              <ma14:wrappingTextBoxFlag xmlns="" xmlns:m="http://schemas.openxmlformats.org/officeDocument/2006/math" xmlns:a14="http://schemas.microsoft.com/office/drawing/2010/main" xmlns:ma14="http://schemas.microsoft.com/office/mac/drawingml/2011/main" val="1"/>
             </a:ext>
           </a:extLst>
         </p:spPr>
@@ -16295,7 +16559,7 @@
           </a:ln>
           <a:extLst>
             <a:ext uri="{C572A759-6A51-4108-AA02-DFA0A04FC94B}">
-              <ma14:wrappingTextBoxFlag xmlns:ma14="http://schemas.microsoft.com/office/mac/drawingml/2011/main" xmlns:a14="http://schemas.microsoft.com/office/drawing/2010/main" xmlns:m="http://schemas.openxmlformats.org/officeDocument/2006/math" xmlns="" val="1"/>
+              <ma14:wrappingTextBoxFlag xmlns="" xmlns:m="http://schemas.openxmlformats.org/officeDocument/2006/math" xmlns:a14="http://schemas.microsoft.com/office/drawing/2010/main" xmlns:ma14="http://schemas.microsoft.com/office/mac/drawingml/2011/main" val="1"/>
             </a:ext>
           </a:extLst>
         </p:spPr>
@@ -16375,7 +16639,7 @@
           </a:ln>
           <a:extLst>
             <a:ext uri="{C572A759-6A51-4108-AA02-DFA0A04FC94B}">
-              <ma14:wrappingTextBoxFlag xmlns:ma14="http://schemas.microsoft.com/office/mac/drawingml/2011/main" xmlns:a14="http://schemas.microsoft.com/office/drawing/2010/main" xmlns:m="http://schemas.openxmlformats.org/officeDocument/2006/math" xmlns="" val="1"/>
+              <ma14:wrappingTextBoxFlag xmlns="" xmlns:m="http://schemas.openxmlformats.org/officeDocument/2006/math" xmlns:a14="http://schemas.microsoft.com/office/drawing/2010/main" xmlns:ma14="http://schemas.microsoft.com/office/mac/drawingml/2011/main" val="1"/>
             </a:ext>
           </a:extLst>
         </p:spPr>
@@ -16431,7 +16695,7 @@
           </a:ln>
           <a:extLst>
             <a:ext uri="{C572A759-6A51-4108-AA02-DFA0A04FC94B}">
-              <ma14:wrappingTextBoxFlag xmlns:ma14="http://schemas.microsoft.com/office/mac/drawingml/2011/main" xmlns:a14="http://schemas.microsoft.com/office/drawing/2010/main" xmlns:m="http://schemas.openxmlformats.org/officeDocument/2006/math" xmlns="" val="1"/>
+              <ma14:wrappingTextBoxFlag xmlns="" xmlns:m="http://schemas.openxmlformats.org/officeDocument/2006/math" xmlns:a14="http://schemas.microsoft.com/office/drawing/2010/main" xmlns:ma14="http://schemas.microsoft.com/office/mac/drawingml/2011/main" val="1"/>
             </a:ext>
           </a:extLst>
         </p:spPr>
@@ -17657,7 +17921,7 @@
           </a:ln>
           <a:extLst>
             <a:ext uri="{C572A759-6A51-4108-AA02-DFA0A04FC94B}">
-              <ma14:wrappingTextBoxFlag xmlns:ma14="http://schemas.microsoft.com/office/mac/drawingml/2011/main" xmlns:a14="http://schemas.microsoft.com/office/drawing/2010/main" xmlns:m="http://schemas.openxmlformats.org/officeDocument/2006/math" xmlns="" val="1"/>
+              <ma14:wrappingTextBoxFlag xmlns="" xmlns:m="http://schemas.openxmlformats.org/officeDocument/2006/math" xmlns:a14="http://schemas.microsoft.com/office/drawing/2010/main" xmlns:ma14="http://schemas.microsoft.com/office/mac/drawingml/2011/main" val="1"/>
             </a:ext>
           </a:extLst>
         </p:spPr>
@@ -17867,7 +18131,7 @@
           </a:ln>
           <a:extLst>
             <a:ext uri="{C572A759-6A51-4108-AA02-DFA0A04FC94B}">
-              <ma14:wrappingTextBoxFlag xmlns:ma14="http://schemas.microsoft.com/office/mac/drawingml/2011/main" xmlns:a14="http://schemas.microsoft.com/office/drawing/2010/main" xmlns:m="http://schemas.openxmlformats.org/officeDocument/2006/math" xmlns="" val="1"/>
+              <ma14:wrappingTextBoxFlag xmlns="" xmlns:m="http://schemas.openxmlformats.org/officeDocument/2006/math" xmlns:a14="http://schemas.microsoft.com/office/drawing/2010/main" xmlns:ma14="http://schemas.microsoft.com/office/mac/drawingml/2011/main" val="1"/>
             </a:ext>
           </a:extLst>
         </p:spPr>
@@ -17928,7 +18192,7 @@
         </p:nvSpPr>
         <p:spPr>
           <a:xfrm>
-            <a:off x="12282435" y="1073284"/>
+            <a:off x="12282435" y="691440"/>
             <a:ext cx="11417301" cy="2032001"/>
           </a:xfrm>
           <a:prstGeom prst="roundRect">
@@ -17944,7 +18208,7 @@
           </a:ln>
           <a:extLst>
             <a:ext uri="{C572A759-6A51-4108-AA02-DFA0A04FC94B}">
-              <ma14:wrappingTextBoxFlag xmlns:ma14="http://schemas.microsoft.com/office/mac/drawingml/2011/main" xmlns:a14="http://schemas.microsoft.com/office/drawing/2010/main" xmlns:m="http://schemas.openxmlformats.org/officeDocument/2006/math" xmlns="" val="1"/>
+              <ma14:wrappingTextBoxFlag xmlns="" xmlns:m="http://schemas.openxmlformats.org/officeDocument/2006/math" xmlns:a14="http://schemas.microsoft.com/office/drawing/2010/main" xmlns:ma14="http://schemas.microsoft.com/office/mac/drawingml/2011/main" val="1"/>
             </a:ext>
           </a:extLst>
         </p:spPr>
@@ -17970,6 +18234,11 @@
               </a:defRPr>
             </a:pPr>
             <a:r>
+              <a:rPr lang="en-US" dirty="0"/>
+              <a:t>	       </a:t>
+            </a:r>
+            <a:r>
+              <a:rPr dirty="0"/>
               <a:t>Rescaling:  divided each image by 255</a:t>
             </a:r>
           </a:p>
@@ -17983,7 +18252,7 @@
         </p:nvSpPr>
         <p:spPr>
           <a:xfrm>
-            <a:off x="12282435" y="3938218"/>
+            <a:off x="12282434" y="3376728"/>
             <a:ext cx="11417301" cy="2032001"/>
           </a:xfrm>
           <a:prstGeom prst="roundRect">
@@ -17999,7 +18268,7 @@
           </a:ln>
           <a:extLst>
             <a:ext uri="{C572A759-6A51-4108-AA02-DFA0A04FC94B}">
-              <ma14:wrappingTextBoxFlag xmlns:ma14="http://schemas.microsoft.com/office/mac/drawingml/2011/main" xmlns:a14="http://schemas.microsoft.com/office/drawing/2010/main" xmlns:m="http://schemas.openxmlformats.org/officeDocument/2006/math" xmlns="" val="1"/>
+              <ma14:wrappingTextBoxFlag xmlns="" xmlns:m="http://schemas.openxmlformats.org/officeDocument/2006/math" xmlns:a14="http://schemas.microsoft.com/office/drawing/2010/main" xmlns:ma14="http://schemas.microsoft.com/office/mac/drawingml/2011/main" val="1"/>
             </a:ext>
           </a:extLst>
         </p:spPr>
@@ -18053,7 +18322,7 @@
         </p:nvSpPr>
         <p:spPr>
           <a:xfrm>
-            <a:off x="12282435" y="6803153"/>
+            <a:off x="12192000" y="5994702"/>
             <a:ext cx="11417301" cy="2032001"/>
           </a:xfrm>
           <a:prstGeom prst="roundRect">
@@ -18069,7 +18338,7 @@
           </a:ln>
           <a:extLst>
             <a:ext uri="{C572A759-6A51-4108-AA02-DFA0A04FC94B}">
-              <ma14:wrappingTextBoxFlag xmlns:ma14="http://schemas.microsoft.com/office/mac/drawingml/2011/main" xmlns:a14="http://schemas.microsoft.com/office/drawing/2010/main" xmlns:m="http://schemas.openxmlformats.org/officeDocument/2006/math" xmlns="" val="1"/>
+              <ma14:wrappingTextBoxFlag xmlns="" xmlns:m="http://schemas.openxmlformats.org/officeDocument/2006/math" xmlns:a14="http://schemas.microsoft.com/office/drawing/2010/main" xmlns:ma14="http://schemas.microsoft.com/office/mac/drawingml/2011/main" val="1"/>
             </a:ext>
           </a:extLst>
         </p:spPr>
@@ -18097,7 +18366,7 @@
           <a:p>
             <a:r>
               <a:rPr dirty="0"/>
-              <a:t>Rotation: 10 </a:t>
+              <a:t>10 </a:t>
             </a:r>
             <a:r>
               <a:rPr lang="en-US" dirty="0"/>
@@ -18115,7 +18384,7 @@
         </p:nvSpPr>
         <p:spPr>
           <a:xfrm>
-            <a:off x="12282435" y="9668088"/>
+            <a:off x="12192000" y="8493630"/>
             <a:ext cx="11417301" cy="2032001"/>
           </a:xfrm>
           <a:prstGeom prst="roundRect">
@@ -18131,7 +18400,7 @@
           </a:ln>
           <a:extLst>
             <a:ext uri="{C572A759-6A51-4108-AA02-DFA0A04FC94B}">
-              <ma14:wrappingTextBoxFlag xmlns:ma14="http://schemas.microsoft.com/office/mac/drawingml/2011/main" xmlns:a14="http://schemas.microsoft.com/office/drawing/2010/main" xmlns:m="http://schemas.openxmlformats.org/officeDocument/2006/math" xmlns="" val="1"/>
+              <ma14:wrappingTextBoxFlag xmlns="" xmlns:m="http://schemas.openxmlformats.org/officeDocument/2006/math" xmlns:a14="http://schemas.microsoft.com/office/drawing/2010/main" xmlns:ma14="http://schemas.microsoft.com/office/mac/drawingml/2011/main" val="1"/>
             </a:ext>
           </a:extLst>
         </p:spPr>
@@ -18157,6 +18426,10 @@
             </a:lvl1pPr>
           </a:lstStyle>
           <a:p>
+            <a:r>
+              <a:rPr lang="en-US" dirty="0"/>
+              <a:t>     </a:t>
+            </a:r>
             <a:r>
               <a:rPr dirty="0"/>
               <a:t>Also </a:t>
@@ -18204,7 +18477,7 @@
         </p:nvSpPr>
         <p:spPr>
           <a:xfrm>
-            <a:off x="12820662" y="4319218"/>
+            <a:off x="12820662" y="3774200"/>
             <a:ext cx="1270001" cy="1270001"/>
           </a:xfrm>
           <a:custGeom>
@@ -18335,7 +18608,7 @@
         </p:nvSpPr>
         <p:spPr>
           <a:xfrm>
-            <a:off x="12820662" y="7184153"/>
+            <a:off x="12820662" y="6443015"/>
             <a:ext cx="1270001" cy="1270001"/>
           </a:xfrm>
           <a:custGeom>
@@ -18485,7 +18758,7 @@
         </p:nvSpPr>
         <p:spPr>
           <a:xfrm rot="2624291">
-            <a:off x="12727853" y="10548960"/>
+            <a:off x="12711280" y="9448551"/>
             <a:ext cx="1455618" cy="270256"/>
           </a:xfrm>
           <a:custGeom>
@@ -19140,7 +19413,7 @@
         </p:nvSpPr>
         <p:spPr>
           <a:xfrm>
-            <a:off x="12819820" y="1455127"/>
+            <a:off x="12819820" y="1135710"/>
             <a:ext cx="1271684" cy="1268314"/>
           </a:xfrm>
           <a:custGeom>
@@ -19446,6 +19719,70 @@
               </a:defRPr>
             </a:pPr>
             <a:endParaRPr/>
+          </a:p>
+        </p:txBody>
+      </p:sp>
+      <p:sp>
+        <p:nvSpPr>
+          <p:cNvPr id="11" name="Also we used shearing transformation, randomly zooming inside picture and some horizontally flipping">
+            <a:extLst>
+              <a:ext uri="{FF2B5EF4-FFF2-40B4-BE49-F238E27FC236}">
+                <a16:creationId xmlns:a16="http://schemas.microsoft.com/office/drawing/2014/main" id="{9417C035-DEF2-429A-9529-E7C98E99F93D}"/>
+              </a:ext>
+            </a:extLst>
+          </p:cNvPr>
+          <p:cNvSpPr/>
+          <p:nvPr/>
+        </p:nvSpPr>
+        <p:spPr>
+          <a:xfrm>
+            <a:off x="12192000" y="10992559"/>
+            <a:ext cx="11417301" cy="2032001"/>
+          </a:xfrm>
+          <a:prstGeom prst="roundRect">
+            <a:avLst>
+              <a:gd name="adj" fmla="val 9375"/>
+            </a:avLst>
+          </a:prstGeom>
+          <a:solidFill>
+            <a:srgbClr val="3A1A29"/>
+          </a:solidFill>
+          <a:ln w="12700">
+            <a:miter lim="400000"/>
+          </a:ln>
+          <a:extLst>
+            <a:ext uri="{C572A759-6A51-4108-AA02-DFA0A04FC94B}">
+              <ma14:wrappingTextBoxFlag xmlns="" xmlns:m="http://schemas.openxmlformats.org/officeDocument/2006/math" xmlns:a14="http://schemas.microsoft.com/office/drawing/2010/main" xmlns:ma14="http://schemas.microsoft.com/office/mac/drawingml/2011/main" val="1"/>
+            </a:ext>
+          </a:extLst>
+        </p:spPr>
+        <p:txBody>
+          <a:bodyPr lIns="50800" tIns="50800" rIns="50800" bIns="50800" anchor="ctr"/>
+          <a:lstStyle>
+            <a:lvl1pPr indent="1778000" algn="ctr" defTabSz="1130300">
+              <a:lnSpc>
+                <a:spcPct val="100000"/>
+              </a:lnSpc>
+              <a:spcBef>
+                <a:spcPts val="0"/>
+              </a:spcBef>
+              <a:defRPr sz="3200">
+                <a:solidFill>
+                  <a:srgbClr val="FFFFFF"/>
+                </a:solidFill>
+                <a:latin typeface="Graphik"/>
+                <a:ea typeface="Graphik"/>
+                <a:cs typeface="Graphik"/>
+                <a:sym typeface="Graphik"/>
+              </a:defRPr>
+            </a:lvl1pPr>
+          </a:lstStyle>
+          <a:p>
+            <a:r>
+              <a:rPr lang="en-US" dirty="0"/>
+              <a:t>Subtracted the mean RGB value from each pixel (VGG16)          </a:t>
+            </a:r>
+            <a:endParaRPr dirty="0"/>
           </a:p>
         </p:txBody>
       </p:sp>
@@ -19569,65 +19906,10 @@
                 <a:sym typeface="Graphik"/>
               </a:defRPr>
             </a:pPr>
-            <a:endParaRPr/>
+            <a:endParaRPr dirty="0"/>
           </a:p>
         </p:txBody>
       </p:sp>
-      <p:pic>
-        <p:nvPicPr>
-          <p:cNvPr id="206" name="conf_matrix.png" descr="conf_matrix.png"/>
-          <p:cNvPicPr>
-            <a:picLocks noChangeAspect="1"/>
-          </p:cNvPicPr>
-          <p:nvPr/>
-        </p:nvPicPr>
-        <p:blipFill>
-          <a:blip r:embed="rId2"/>
-          <a:stretch>
-            <a:fillRect/>
-          </a:stretch>
-        </p:blipFill>
-        <p:spPr>
-          <a:xfrm>
-            <a:off x="12333338" y="2398688"/>
-            <a:ext cx="9985430" cy="8869233"/>
-          </a:xfrm>
-          <a:prstGeom prst="rect">
-            <a:avLst/>
-          </a:prstGeom>
-          <a:ln w="12700">
-            <a:miter lim="400000"/>
-          </a:ln>
-        </p:spPr>
-      </p:pic>
-      <p:pic>
-        <p:nvPicPr>
-          <p:cNvPr id="207" name="score.png" descr="score.png"/>
-          <p:cNvPicPr>
-            <a:picLocks noChangeAspect="1"/>
-          </p:cNvPicPr>
-          <p:nvPr/>
-        </p:nvPicPr>
-        <p:blipFill>
-          <a:blip r:embed="rId3"/>
-          <a:srcRect t="19395" r="50798"/>
-          <a:stretch>
-            <a:fillRect/>
-          </a:stretch>
-        </p:blipFill>
-        <p:spPr>
-          <a:xfrm>
-            <a:off x="1740680" y="8948161"/>
-            <a:ext cx="7519101" cy="3229932"/>
-          </a:xfrm>
-          <a:prstGeom prst="rect">
-            <a:avLst/>
-          </a:prstGeom>
-          <a:ln w="12700">
-            <a:miter lim="400000"/>
-          </a:ln>
-        </p:spPr>
-      </p:pic>
       <p:sp>
         <p:nvSpPr>
           <p:cNvPr id="208" name="Result"/>
@@ -19636,8 +19918,8 @@
         </p:nvSpPr>
         <p:spPr>
           <a:xfrm>
-            <a:off x="3583580" y="3053221"/>
-            <a:ext cx="3833394" cy="1803147"/>
+            <a:off x="873131" y="624344"/>
+            <a:ext cx="3911328" cy="1672253"/>
           </a:xfrm>
           <a:prstGeom prst="rect">
             <a:avLst/>
@@ -19647,7 +19929,7 @@
           </a:ln>
           <a:extLst>
             <a:ext uri="{C572A759-6A51-4108-AA02-DFA0A04FC94B}">
-              <ma14:wrappingTextBoxFlag xmlns:ma14="http://schemas.microsoft.com/office/mac/drawingml/2011/main" xmlns:a14="http://schemas.microsoft.com/office/drawing/2010/main" xmlns:m="http://schemas.openxmlformats.org/officeDocument/2006/math" xmlns="" val="1"/>
+              <ma14:wrappingTextBoxFlag xmlns="" xmlns:m="http://schemas.openxmlformats.org/officeDocument/2006/math" xmlns:a14="http://schemas.microsoft.com/office/drawing/2010/main" xmlns:ma14="http://schemas.microsoft.com/office/mac/drawingml/2011/main" val="1"/>
             </a:ext>
           </a:extLst>
         </p:spPr>
@@ -19675,8 +19957,208 @@
               </a:defRPr>
             </a:pPr>
             <a:r>
+              <a:rPr dirty="0"/>
               <a:t>Result</a:t>
             </a:r>
+            <a:r>
+              <a:rPr lang="en-US" dirty="0"/>
+              <a:t>s</a:t>
+            </a:r>
+            <a:endParaRPr dirty="0"/>
+          </a:p>
+        </p:txBody>
+      </p:sp>
+      <p:pic>
+        <p:nvPicPr>
+          <p:cNvPr id="5" name="Picture 4" descr="A screenshot of a cell phone&#10;&#10;Description automatically generated">
+            <a:extLst>
+              <a:ext uri="{FF2B5EF4-FFF2-40B4-BE49-F238E27FC236}">
+                <a16:creationId xmlns:a16="http://schemas.microsoft.com/office/drawing/2014/main" id="{72755C30-5A17-40D5-BD94-1C0FC8FC82AF}"/>
+              </a:ext>
+            </a:extLst>
+          </p:cNvPr>
+          <p:cNvPicPr>
+            <a:picLocks noChangeAspect="1"/>
+          </p:cNvPicPr>
+          <p:nvPr/>
+        </p:nvPicPr>
+        <p:blipFill>
+          <a:blip r:embed="rId2">
+            <a:extLst>
+              <a:ext uri="{28A0092B-C50C-407E-A947-70E740481C1C}">
+                <a14:useLocalDpi xmlns:a14="http://schemas.microsoft.com/office/drawing/2010/main" val="0"/>
+              </a:ext>
+            </a:extLst>
+          </a:blip>
+          <a:stretch>
+            <a:fillRect/>
+          </a:stretch>
+        </p:blipFill>
+        <p:spPr>
+          <a:xfrm>
+            <a:off x="12192000" y="5201781"/>
+            <a:ext cx="9864994" cy="8762261"/>
+          </a:xfrm>
+          <a:prstGeom prst="rect">
+            <a:avLst/>
+          </a:prstGeom>
+        </p:spPr>
+      </p:pic>
+      <p:pic>
+        <p:nvPicPr>
+          <p:cNvPr id="7" name="Picture 6" descr="A screenshot of a cell phone&#10;&#10;Description automatically generated">
+            <a:extLst>
+              <a:ext uri="{FF2B5EF4-FFF2-40B4-BE49-F238E27FC236}">
+                <a16:creationId xmlns:a16="http://schemas.microsoft.com/office/drawing/2014/main" id="{A14AB403-371B-4817-8FF7-AECB7DDCEECD}"/>
+              </a:ext>
+            </a:extLst>
+          </p:cNvPr>
+          <p:cNvPicPr>
+            <a:picLocks noChangeAspect="1"/>
+          </p:cNvPicPr>
+          <p:nvPr/>
+        </p:nvPicPr>
+        <p:blipFill>
+          <a:blip r:embed="rId3">
+            <a:extLst>
+              <a:ext uri="{28A0092B-C50C-407E-A947-70E740481C1C}">
+                <a14:useLocalDpi xmlns:a14="http://schemas.microsoft.com/office/drawing/2010/main" val="0"/>
+              </a:ext>
+            </a:extLst>
+          </a:blip>
+          <a:stretch>
+            <a:fillRect/>
+          </a:stretch>
+        </p:blipFill>
+        <p:spPr>
+          <a:xfrm>
+            <a:off x="339740" y="7776785"/>
+            <a:ext cx="9987601" cy="4478744"/>
+          </a:xfrm>
+          <a:prstGeom prst="rect">
+            <a:avLst/>
+          </a:prstGeom>
+        </p:spPr>
+      </p:pic>
+      <p:sp>
+        <p:nvSpPr>
+          <p:cNvPr id="8" name="TextBox 7">
+            <a:extLst>
+              <a:ext uri="{FF2B5EF4-FFF2-40B4-BE49-F238E27FC236}">
+                <a16:creationId xmlns:a16="http://schemas.microsoft.com/office/drawing/2014/main" id="{78DA8125-E4B7-4417-93D9-FF2A81FFF424}"/>
+              </a:ext>
+            </a:extLst>
+          </p:cNvPr>
+          <p:cNvSpPr txBox="1"/>
+          <p:nvPr/>
+        </p:nvSpPr>
+        <p:spPr>
+          <a:xfrm>
+            <a:off x="11960352" y="1507643"/>
+            <a:ext cx="8430768" cy="2546338"/>
+          </a:xfrm>
+          <a:prstGeom prst="rect">
+            <a:avLst/>
+          </a:prstGeom>
+          <a:noFill/>
+          <a:ln w="12700" cap="flat">
+            <a:noFill/>
+            <a:miter lim="400000"/>
+          </a:ln>
+          <a:effectLst/>
+          <a:sp3d/>
+        </p:spPr>
+        <p:style>
+          <a:lnRef idx="0">
+            <a:scrgbClr r="0" g="0" b="0"/>
+          </a:lnRef>
+          <a:fillRef idx="0">
+            <a:scrgbClr r="0" g="0" b="0"/>
+          </a:fillRef>
+          <a:effectRef idx="0">
+            <a:scrgbClr r="0" g="0" b="0"/>
+          </a:effectRef>
+          <a:fontRef idx="none"/>
+        </p:style>
+        <p:txBody>
+          <a:bodyPr rot="0" spcFirstLastPara="1" vertOverflow="overflow" horzOverflow="overflow" vert="horz" wrap="square" lIns="50800" tIns="50800" rIns="50800" bIns="50800" numCol="1" spcCol="38100" rtlCol="0" anchor="t">
+            <a:spAutoFit/>
+          </a:bodyPr>
+          <a:lstStyle/>
+          <a:p>
+            <a:pPr marL="571500" marR="0" indent="-571500" algn="l" defTabSz="2438338" rtl="0" fontAlgn="auto" latinLnBrk="0" hangingPunct="0">
+              <a:lnSpc>
+                <a:spcPct val="90000"/>
+              </a:lnSpc>
+              <a:spcBef>
+                <a:spcPts val="2400"/>
+              </a:spcBef>
+              <a:spcAft>
+                <a:spcPts val="0"/>
+              </a:spcAft>
+              <a:buClrTx/>
+              <a:buSzTx/>
+              <a:buFont typeface="Arial" panose="020B0604020202020204" pitchFamily="34" charset="0"/>
+              <a:buChar char="•"/>
+              <a:tabLst/>
+            </a:pPr>
+            <a:r>
+              <a:rPr lang="en-US" dirty="0"/>
+              <a:t>94% overall accuracy</a:t>
+            </a:r>
+          </a:p>
+          <a:p>
+            <a:pPr marL="571500" marR="0" indent="-571500" algn="l" defTabSz="2438338" rtl="0" fontAlgn="auto" latinLnBrk="0" hangingPunct="0">
+              <a:lnSpc>
+                <a:spcPct val="90000"/>
+              </a:lnSpc>
+              <a:spcBef>
+                <a:spcPts val="2400"/>
+              </a:spcBef>
+              <a:spcAft>
+                <a:spcPts val="0"/>
+              </a:spcAft>
+              <a:buClrTx/>
+              <a:buSzTx/>
+              <a:buFont typeface="Arial" panose="020B0604020202020204" pitchFamily="34" charset="0"/>
+              <a:buChar char="•"/>
+              <a:tabLst/>
+            </a:pPr>
+            <a:r>
+              <a:rPr kumimoji="0" lang="en-US" sz="4400" b="0" i="0" u="none" strike="noStrike" cap="none" spc="0" normalizeH="0" baseline="0" dirty="0">
+                <a:ln>
+                  <a:noFill/>
+                </a:ln>
+                <a:solidFill>
+                  <a:srgbClr val="000000"/>
+                </a:solidFill>
+                <a:effectLst/>
+                <a:uFillTx/>
+                <a:latin typeface="Canela Text Regular"/>
+                <a:ea typeface="Canela Text Regular"/>
+                <a:cs typeface="Canela Text Regular"/>
+                <a:sym typeface="Canela Text Regular"/>
+              </a:rPr>
+              <a:t>100% recall</a:t>
+            </a:r>
+            <a:r>
+              <a:rPr lang="en-US" dirty="0"/>
+              <a:t>/sensitivity for the pneumonia class</a:t>
+            </a:r>
+            <a:endParaRPr kumimoji="0" lang="en-US" sz="4400" b="0" i="0" u="none" strike="noStrike" cap="none" spc="0" normalizeH="0" baseline="0" dirty="0">
+              <a:ln>
+                <a:noFill/>
+              </a:ln>
+              <a:solidFill>
+                <a:srgbClr val="000000"/>
+              </a:solidFill>
+              <a:effectLst/>
+              <a:uFillTx/>
+              <a:latin typeface="Canela Text Regular"/>
+              <a:ea typeface="Canela Text Regular"/>
+              <a:cs typeface="Canela Text Regular"/>
+              <a:sym typeface="Canela Text Regular"/>
+            </a:endParaRPr>
           </a:p>
         </p:txBody>
       </p:sp>
@@ -19806,32 +20288,46 @@
       </p:sp>
       <p:pic>
         <p:nvPicPr>
-          <p:cNvPr id="211" name="images.png" descr="images.png"/>
+          <p:cNvPr id="3" name="Picture 2" descr="A picture containing building, sitting, person, lit&#10;&#10;Description automatically generated">
+            <a:extLst>
+              <a:ext uri="{FF2B5EF4-FFF2-40B4-BE49-F238E27FC236}">
+                <a16:creationId xmlns:a16="http://schemas.microsoft.com/office/drawing/2014/main" id="{33E96539-2915-46A2-A4F9-35774EC42C9E}"/>
+              </a:ext>
+            </a:extLst>
+          </p:cNvPr>
           <p:cNvPicPr>
             <a:picLocks noChangeAspect="1"/>
           </p:cNvPicPr>
           <p:nvPr/>
         </p:nvPicPr>
         <p:blipFill>
-          <a:blip r:embed="rId2"/>
+          <a:blip r:embed="rId2">
+            <a:extLst>
+              <a:ext uri="{28A0092B-C50C-407E-A947-70E740481C1C}">
+                <a14:useLocalDpi xmlns:a14="http://schemas.microsoft.com/office/drawing/2010/main" val="0"/>
+              </a:ext>
+            </a:extLst>
+          </a:blip>
           <a:stretch>
             <a:fillRect/>
           </a:stretch>
         </p:blipFill>
         <p:spPr>
           <a:xfrm>
-            <a:off x="1406235" y="3749631"/>
-            <a:ext cx="20481293" cy="5899764"/>
+            <a:off x="1186086" y="3687678"/>
+            <a:ext cx="22011828" cy="6340644"/>
           </a:xfrm>
           <a:prstGeom prst="rect">
             <a:avLst/>
           </a:prstGeom>
-          <a:ln w="12700">
-            <a:miter lim="400000"/>
-          </a:ln>
         </p:spPr>
       </p:pic>
     </p:spTree>
+    <p:extLst>
+      <p:ext uri="{BB962C8B-B14F-4D97-AF65-F5344CB8AC3E}">
+        <p14:creationId xmlns:p14="http://schemas.microsoft.com/office/powerpoint/2010/main" val="906370711"/>
+      </p:ext>
+    </p:extLst>
   </p:cSld>
   <p:clrMapOvr>
     <a:masterClrMapping/>
